--- a/GROCERY WEB APP 1.pptx
+++ b/GROCERY WEB APP 1.pptx
@@ -5,18 +5,18 @@
     <p:sldMasterId id="2147483648" r:id="rId1"/>
   </p:sldMasterIdLst>
   <p:sldIdLst>
-    <p:sldId id="256" r:id="rId2"/>
-    <p:sldId id="257" r:id="rId3"/>
-    <p:sldId id="258" r:id="rId4"/>
-    <p:sldId id="260" r:id="rId5"/>
-    <p:sldId id="267" r:id="rId6"/>
-    <p:sldId id="261" r:id="rId7"/>
-    <p:sldId id="265" r:id="rId8"/>
-    <p:sldId id="259" r:id="rId9"/>
-    <p:sldId id="264" r:id="rId10"/>
-    <p:sldId id="266" r:id="rId11"/>
-    <p:sldId id="268" r:id="rId12"/>
-    <p:sldId id="269" r:id="rId13"/>
+    <p:sldId id="256" r:id="rId3"/>
+    <p:sldId id="257" r:id="rId4"/>
+    <p:sldId id="258" r:id="rId5"/>
+    <p:sldId id="260" r:id="rId6"/>
+    <p:sldId id="267" r:id="rId7"/>
+    <p:sldId id="261" r:id="rId8"/>
+    <p:sldId id="265" r:id="rId9"/>
+    <p:sldId id="259" r:id="rId10"/>
+    <p:sldId id="264" r:id="rId11"/>
+    <p:sldId id="266" r:id="rId12"/>
+    <p:sldId id="268" r:id="rId13"/>
+    <p:sldId id="269" r:id="rId14"/>
   </p:sldIdLst>
   <p:sldSz cx="12192000" cy="6858000"/>
   <p:notesSz cx="12192000" cy="6858000"/>
@@ -179,9 +179,7 @@
               <a:defRPr/>
             </a:lvl1pPr>
           </a:lstStyle>
-          <a:p>
-            <a:endParaRPr/>
-          </a:p>
+          <a:p/>
         </p:txBody>
       </p:sp>
       <p:sp>
@@ -212,9 +210,7 @@
               <a:defRPr/>
             </a:lvl1pPr>
           </a:lstStyle>
-          <a:p>
-            <a:endParaRPr/>
-          </a:p>
+          <a:p/>
         </p:txBody>
       </p:sp>
       <p:sp>
@@ -241,9 +237,7 @@
               </a:defRPr>
             </a:lvl1pPr>
           </a:lstStyle>
-          <a:p>
-            <a:endParaRPr/>
-          </a:p>
+          <a:p/>
         </p:txBody>
       </p:sp>
       <p:sp>
@@ -273,7 +267,6 @@
           <a:p>
             <a:fld id="{1D8BD707-D9CF-40AE-B4C6-C98DA3205C09}" type="datetimeFigureOut">
               <a:rPr lang="en-US"/>
-              <a:t>10/8/2024</a:t>
             </a:fld>
             <a:endParaRPr lang="en-US"/>
           </a:p>
@@ -306,7 +299,6 @@
           <a:p>
             <a:fld id="{B6F15528-21DE-4FAA-801E-634DDDAF4B2B}" type="slidenum">
               <a:rPr/>
-              <a:t>‹#›</a:t>
             </a:fld>
             <a:endParaRPr/>
           </a:p>
@@ -361,9 +353,7 @@
               </a:defRPr>
             </a:lvl1pPr>
           </a:lstStyle>
-          <a:p>
-            <a:endParaRPr/>
-          </a:p>
+          <a:p/>
         </p:txBody>
       </p:sp>
       <p:sp>
@@ -388,9 +378,7 @@
               </a:defRPr>
             </a:lvl1pPr>
           </a:lstStyle>
-          <a:p>
-            <a:endParaRPr/>
-          </a:p>
+          <a:p/>
         </p:txBody>
       </p:sp>
       <p:sp>
@@ -417,9 +405,7 @@
               </a:defRPr>
             </a:lvl1pPr>
           </a:lstStyle>
-          <a:p>
-            <a:endParaRPr/>
-          </a:p>
+          <a:p/>
         </p:txBody>
       </p:sp>
       <p:sp>
@@ -449,7 +435,6 @@
           <a:p>
             <a:fld id="{1D8BD707-D9CF-40AE-B4C6-C98DA3205C09}" type="datetimeFigureOut">
               <a:rPr lang="en-US"/>
-              <a:t>10/8/2024</a:t>
             </a:fld>
             <a:endParaRPr lang="en-US"/>
           </a:p>
@@ -482,7 +467,6 @@
           <a:p>
             <a:fld id="{B6F15528-21DE-4FAA-801E-634DDDAF4B2B}" type="slidenum">
               <a:rPr/>
-              <a:t>‹#›</a:t>
             </a:fld>
             <a:endParaRPr/>
           </a:p>
@@ -537,9 +521,7 @@
               </a:defRPr>
             </a:lvl1pPr>
           </a:lstStyle>
-          <a:p>
-            <a:endParaRPr/>
-          </a:p>
+          <a:p/>
         </p:txBody>
       </p:sp>
       <p:sp>
@@ -570,9 +552,7 @@
               <a:defRPr/>
             </a:lvl1pPr>
           </a:lstStyle>
-          <a:p>
-            <a:endParaRPr/>
-          </a:p>
+          <a:p/>
         </p:txBody>
       </p:sp>
       <p:sp>
@@ -603,9 +583,7 @@
               <a:defRPr/>
             </a:lvl1pPr>
           </a:lstStyle>
-          <a:p>
-            <a:endParaRPr/>
-          </a:p>
+          <a:p/>
         </p:txBody>
       </p:sp>
       <p:sp>
@@ -632,9 +610,7 @@
               </a:defRPr>
             </a:lvl1pPr>
           </a:lstStyle>
-          <a:p>
-            <a:endParaRPr/>
-          </a:p>
+          <a:p/>
         </p:txBody>
       </p:sp>
       <p:sp>
@@ -664,7 +640,6 @@
           <a:p>
             <a:fld id="{1D8BD707-D9CF-40AE-B4C6-C98DA3205C09}" type="datetimeFigureOut">
               <a:rPr lang="en-US"/>
-              <a:t>10/8/2024</a:t>
             </a:fld>
             <a:endParaRPr lang="en-US"/>
           </a:p>
@@ -697,7 +672,6 @@
           <a:p>
             <a:fld id="{B6F15528-21DE-4FAA-801E-634DDDAF4B2B}" type="slidenum">
               <a:rPr/>
-              <a:t>‹#›</a:t>
             </a:fld>
             <a:endParaRPr/>
           </a:p>
@@ -752,9 +726,7 @@
               </a:defRPr>
             </a:lvl1pPr>
           </a:lstStyle>
-          <a:p>
-            <a:endParaRPr/>
-          </a:p>
+          <a:p/>
         </p:txBody>
       </p:sp>
       <p:sp>
@@ -781,9 +753,7 @@
               </a:defRPr>
             </a:lvl1pPr>
           </a:lstStyle>
-          <a:p>
-            <a:endParaRPr/>
-          </a:p>
+          <a:p/>
         </p:txBody>
       </p:sp>
       <p:sp>
@@ -813,7 +783,6 @@
           <a:p>
             <a:fld id="{1D8BD707-D9CF-40AE-B4C6-C98DA3205C09}" type="datetimeFigureOut">
               <a:rPr lang="en-US"/>
-              <a:t>10/8/2024</a:t>
             </a:fld>
             <a:endParaRPr lang="en-US"/>
           </a:p>
@@ -846,7 +815,6 @@
           <a:p>
             <a:fld id="{B6F15528-21DE-4FAA-801E-634DDDAF4B2B}" type="slidenum">
               <a:rPr/>
-              <a:t>‹#›</a:t>
             </a:fld>
             <a:endParaRPr/>
           </a:p>
@@ -901,9 +869,7 @@
               </a:defRPr>
             </a:lvl1pPr>
           </a:lstStyle>
-          <a:p>
-            <a:endParaRPr/>
-          </a:p>
+          <a:p/>
         </p:txBody>
       </p:sp>
       <p:sp>
@@ -933,7 +899,6 @@
           <a:p>
             <a:fld id="{1D8BD707-D9CF-40AE-B4C6-C98DA3205C09}" type="datetimeFigureOut">
               <a:rPr lang="en-US"/>
-              <a:t>10/8/2024</a:t>
             </a:fld>
             <a:endParaRPr lang="en-US"/>
           </a:p>
@@ -966,7 +931,6 @@
           <a:p>
             <a:fld id="{B6F15528-21DE-4FAA-801E-634DDDAF4B2B}" type="slidenum">
               <a:rPr/>
-              <a:t>‹#›</a:t>
             </a:fld>
             <a:endParaRPr/>
           </a:p>
@@ -1039,9 +1003,7 @@
               </a:defRPr>
             </a:lvl1pPr>
           </a:lstStyle>
-          <a:p>
-            <a:endParaRPr/>
-          </a:p>
+          <a:p/>
         </p:txBody>
       </p:sp>
       <p:sp>
@@ -1076,9 +1038,7 @@
               </a:defRPr>
             </a:lvl1pPr>
           </a:lstStyle>
-          <a:p>
-            <a:endParaRPr/>
-          </a:p>
+          <a:p/>
         </p:txBody>
       </p:sp>
       <p:sp>
@@ -1115,9 +1075,7 @@
               </a:defRPr>
             </a:lvl1pPr>
           </a:lstStyle>
-          <a:p>
-            <a:endParaRPr/>
-          </a:p>
+          <a:p/>
         </p:txBody>
       </p:sp>
       <p:sp>
@@ -1157,7 +1115,6 @@
           <a:p>
             <a:fld id="{1D8BD707-D9CF-40AE-B4C6-C98DA3205C09}" type="datetimeFigureOut">
               <a:rPr lang="en-US"/>
-              <a:t>10/8/2024</a:t>
             </a:fld>
             <a:endParaRPr lang="en-US"/>
           </a:p>
@@ -1200,7 +1157,6 @@
           <a:p>
             <a:fld id="{B6F15528-21DE-4FAA-801E-634DDDAF4B2B}" type="slidenum">
               <a:rPr/>
-              <a:t>‹#›</a:t>
             </a:fld>
             <a:endParaRPr/>
           </a:p>
@@ -1390,7 +1346,7 @@
         <p:spPr>
           <a:xfrm>
             <a:off x="1023766" y="1040736"/>
-            <a:ext cx="10284460" cy="697865"/>
+            <a:ext cx="10284460" cy="1915795"/>
           </a:xfrm>
           <a:prstGeom prst="rect">
             <a:avLst/>
@@ -1415,9 +1371,24 @@
               </a:tabLst>
             </a:pPr>
             <a:r>
-              <a:rPr lang="en-US" sz="4800" i="1" u="sng" spc="-5" dirty="0"/>
+              <a:rPr lang="en-US" sz="4800" u="sng" spc="-5" dirty="0"/>
               <a:t>GROCERY WEB APP</a:t>
             </a:r>
+            <a:br>
+              <a:rPr lang="en-US" sz="4800" u="sng" spc="-5" dirty="0"/>
+            </a:br>
+            <a:br>
+              <a:rPr lang="en-US" sz="4800" u="sng" spc="-5" dirty="0"/>
+            </a:br>
+            <a:r>
+              <a:rPr lang="en-US" sz="2400" u="sng" spc="-5" dirty="0"/>
+              <a:t>REQUIRED SKILLS:</a:t>
+            </a:r>
+            <a:r>
+              <a:rPr lang="en-US" sz="2400" spc="-5" dirty="0"/>
+              <a:t> HTML,CSS</a:t>
+            </a:r>
+            <a:endParaRPr lang="en-US" sz="2400" spc="-5" dirty="0"/>
           </a:p>
         </p:txBody>
       </p:sp>
@@ -1429,7 +1400,7 @@
         </p:nvSpPr>
         <p:spPr>
           <a:xfrm>
-            <a:off x="2362200" y="2667000"/>
+            <a:off x="6172200" y="4267200"/>
             <a:ext cx="8008620" cy="3646170"/>
           </a:xfrm>
           <a:prstGeom prst="rect">
@@ -1455,7 +1426,7 @@
                 <a:latin typeface="Times New Roman" panose="02020603050405020304"/>
                 <a:cs typeface="Times New Roman" panose="02020603050405020304"/>
               </a:rPr>
-              <a:t>                               </a:t>
+              <a:t>                                  </a:t>
             </a:r>
             <a:r>
               <a:rPr lang="en-US" sz="2400" b="1" u="sng" spc="-30" dirty="0">
@@ -1483,11 +1454,22 @@
                 <a:latin typeface="Times New Roman" panose="02020603050405020304"/>
                 <a:cs typeface="Times New Roman" panose="02020603050405020304"/>
               </a:rPr>
-              <a:t>      </a:t>
-            </a:r>
-          </a:p>
-          <a:p>
-            <a:pPr marL="12700" indent="457200">
+              <a:t>       </a:t>
+            </a:r>
+            <a:r>
+              <a:rPr lang="en-US" sz="2400" b="1" dirty="0">
+                <a:latin typeface="Times New Roman" panose="02020603050405020304"/>
+                <a:cs typeface="Times New Roman" panose="02020603050405020304"/>
+              </a:rPr>
+              <a:t>PRASHANTH K              (211521205109)</a:t>
+            </a:r>
+            <a:endParaRPr lang="en-US" sz="2400" b="1" dirty="0">
+              <a:latin typeface="Times New Roman" panose="02020603050405020304"/>
+              <a:cs typeface="Times New Roman" panose="02020603050405020304"/>
+            </a:endParaRPr>
+          </a:p>
+          <a:p>
+            <a:pPr marL="12700">
               <a:lnSpc>
                 <a:spcPct val="100000"/>
               </a:lnSpc>
@@ -1496,19 +1478,16 @@
               </a:spcBef>
             </a:pPr>
             <a:r>
-              <a:rPr lang="en-US" sz="2400" dirty="0">
-                <a:latin typeface="Times New Roman" panose="02020603050405020304"/>
-                <a:cs typeface="Times New Roman" panose="02020603050405020304"/>
-              </a:rPr>
-              <a:t> </a:t>
-            </a:r>
-            <a:r>
               <a:rPr lang="en-US" sz="2400" b="1" dirty="0">
                 <a:latin typeface="Times New Roman" panose="02020603050405020304"/>
                 <a:cs typeface="Times New Roman" panose="02020603050405020304"/>
               </a:rPr>
-              <a:t>PRASHANTH K              (211521205109)</a:t>
-            </a:r>
+              <a:t>       SANTHAKUMAR N       (211521205135)</a:t>
+            </a:r>
+            <a:endParaRPr lang="en-US" sz="2400" b="1" dirty="0">
+              <a:latin typeface="Times New Roman" panose="02020603050405020304"/>
+              <a:cs typeface="Times New Roman" panose="02020603050405020304"/>
+            </a:endParaRPr>
           </a:p>
           <a:p>
             <a:pPr marL="12700">
@@ -1524,8 +1503,12 @@
                 <a:latin typeface="Times New Roman" panose="02020603050405020304"/>
                 <a:cs typeface="Times New Roman" panose="02020603050405020304"/>
               </a:rPr>
-              <a:t>       SANTHAKUMAR N       (211521205135)</a:t>
-            </a:r>
+              <a:t>       NITHISH S                       (211521205097)</a:t>
+            </a:r>
+            <a:endParaRPr lang="en-US" sz="2400" b="1" dirty="0">
+              <a:latin typeface="Times New Roman" panose="02020603050405020304"/>
+              <a:cs typeface="Times New Roman" panose="02020603050405020304"/>
+            </a:endParaRPr>
           </a:p>
           <a:p>
             <a:pPr marL="12700">
@@ -1541,8 +1524,12 @@
                 <a:latin typeface="Times New Roman" panose="02020603050405020304"/>
                 <a:cs typeface="Times New Roman" panose="02020603050405020304"/>
               </a:rPr>
-              <a:t>       NITHISH S                       (211521205097)</a:t>
-            </a:r>
+              <a:t>       SAI BALAJI S                  (211521205157)</a:t>
+            </a:r>
+            <a:endParaRPr lang="en-US" sz="2400" b="1" dirty="0">
+              <a:latin typeface="Times New Roman" panose="02020603050405020304"/>
+              <a:cs typeface="Times New Roman" panose="02020603050405020304"/>
+            </a:endParaRPr>
           </a:p>
           <a:p>
             <a:pPr marL="12700">
@@ -1558,25 +1545,12 @@
                 <a:latin typeface="Times New Roman" panose="02020603050405020304"/>
                 <a:cs typeface="Times New Roman" panose="02020603050405020304"/>
               </a:rPr>
-              <a:t>       SRI SAI BALAJI S           (211521205157)</a:t>
-            </a:r>
-          </a:p>
-          <a:p>
-            <a:pPr marL="12700">
-              <a:lnSpc>
-                <a:spcPct val="100000"/>
-              </a:lnSpc>
-              <a:spcBef>
-                <a:spcPts val="1020"/>
-              </a:spcBef>
-            </a:pPr>
-            <a:r>
-              <a:rPr lang="en-US" sz="2400" b="1" dirty="0">
-                <a:latin typeface="Times New Roman" panose="02020603050405020304"/>
-                <a:cs typeface="Times New Roman" panose="02020603050405020304"/>
-              </a:rPr>
               <a:t>       </a:t>
             </a:r>
+            <a:endParaRPr lang="en-US" sz="2400" b="1" dirty="0">
+              <a:latin typeface="Times New Roman" panose="02020603050405020304"/>
+              <a:cs typeface="Times New Roman" panose="02020603050405020304"/>
+            </a:endParaRPr>
           </a:p>
         </p:txBody>
       </p:sp>
@@ -1657,7 +1631,7 @@
           <p:nvPr/>
         </p:nvPicPr>
         <p:blipFill>
-          <a:blip r:embed="rId2"/>
+          <a:blip r:embed="rId1"/>
           <a:stretch>
             <a:fillRect/>
           </a:stretch>
@@ -1725,6 +1699,7 @@
               <a:rPr lang="en-US" b="1" u="sng"/>
               <a:t>CONCLUSION</a:t>
             </a:r>
+            <a:endParaRPr lang="en-US" b="1" u="sng"/>
           </a:p>
         </p:txBody>
       </p:sp>
@@ -1762,6 +1737,10 @@
               </a:rPr>
               <a:t>The development of the Online Grocery Web Application marks a significant step towards modernizing the grocery shopping experience. By leveraging advanced technologies and user-centric design principles, the application provides a seamless, efficient, and convenient platform for customers to shop for their daily essentials from the comfort of their homes. The integration of features such as AI-powered recommendations, secure payment gateways, and real-time order tracking ensures a personalized and reliable shopping experience. Additionally, addressing challenges such as inventory management and delivery logistics enhances the overall effectiveness of the system. As the demand for online shopping continues to grow, the Online Grocery Web Application stands poised to meet the evolving needs of consumers, offering a robust and scalable solution for the future of grocery shopping.</a:t>
             </a:r>
+            <a:endParaRPr lang="en-US" sz="2400">
+              <a:latin typeface="Times New Roman" panose="02020603050405020304" pitchFamily="18" charset="0"/>
+              <a:cs typeface="Times New Roman" panose="02020603050405020304" pitchFamily="18" charset="0"/>
+            </a:endParaRPr>
           </a:p>
         </p:txBody>
       </p:sp>
@@ -1802,7 +1781,7 @@
         </p:nvSpPr>
         <p:spPr>
           <a:xfrm>
-            <a:off x="914400" y="2125980"/>
+            <a:off x="914400" y="2667000"/>
             <a:ext cx="10363200" cy="676910"/>
           </a:xfrm>
         </p:spPr>
@@ -1811,12 +1790,30 @@
           <a:lstStyle/>
           <a:p>
             <a:r>
-              <a:rPr lang="en-US" b="1" i="1">
+              <a:rPr lang="en-US" b="1" i="1" dirty="0">
                 <a:latin typeface="Bauhaus 93" panose="04030905020B02020C02" charset="0"/>
                 <a:cs typeface="Bauhaus 93" panose="04030905020B02020C02" charset="0"/>
               </a:rPr>
-              <a:t>                            THANK YOU</a:t>
-            </a:r>
+              <a:t>                         </a:t>
+            </a:r>
+            <a:r>
+              <a:rPr lang="en-US" b="1" dirty="0" smtClean="0">
+                <a:latin typeface="Times New Roman" panose="02020603050405020304" pitchFamily="18" charset="0"/>
+                <a:cs typeface="Times New Roman" panose="02020603050405020304" pitchFamily="18" charset="0"/>
+              </a:rPr>
+              <a:t>THANK </a:t>
+            </a:r>
+            <a:r>
+              <a:rPr lang="en-US" b="1" dirty="0">
+                <a:latin typeface="Times New Roman" panose="02020603050405020304" pitchFamily="18" charset="0"/>
+                <a:cs typeface="Times New Roman" panose="02020603050405020304" pitchFamily="18" charset="0"/>
+              </a:rPr>
+              <a:t>YOU</a:t>
+            </a:r>
+            <a:endParaRPr lang="en-US" b="1" dirty="0">
+              <a:latin typeface="Times New Roman" panose="02020603050405020304" pitchFamily="18" charset="0"/>
+              <a:cs typeface="Times New Roman" panose="02020603050405020304" pitchFamily="18" charset="0"/>
+            </a:endParaRPr>
           </a:p>
         </p:txBody>
       </p:sp>
@@ -1830,12 +1827,17 @@
             <p:ph type="subTitle" idx="4"/>
           </p:nvPr>
         </p:nvSpPr>
-        <p:spPr/>
+        <p:spPr>
+          <a:xfrm>
+            <a:off x="2133600" y="5105400"/>
+            <a:ext cx="8534400" cy="274319"/>
+          </a:xfrm>
+        </p:spPr>
         <p:txBody>
           <a:bodyPr/>
           <a:lstStyle/>
           <a:p>
-            <a:endParaRPr lang="en-US"/>
+            <a:endParaRPr lang="en-US" dirty="0"/>
           </a:p>
         </p:txBody>
       </p:sp>
@@ -1901,6 +1903,7 @@
               <a:rPr lang="en-US" sz="5400" b="1" u="sng" spc="-5" dirty="0"/>
               <a:t>ABSTRACT</a:t>
             </a:r>
+            <a:endParaRPr lang="en-US" sz="5400" b="1" u="sng" spc="-5" dirty="0"/>
           </a:p>
         </p:txBody>
       </p:sp>
@@ -1942,6 +1945,10 @@
               </a:rPr>
               <a:t>The Online Grocery Web Application revolutionizes traditional grocery shopping by providing a seamless, efficient, and user-friendly platform for customers to purchase groceries from the comfort of their homes. This application offers a wide range of products, from fresh produce to household essentials, ensuring that users can find everything they need in one place. It features a sleek and intuitive interface that enhances the shopping experience with easy navigation, detailed product descriptions, and high-quality images. The application also incorporates functionalities such as a customizable shopping cart, secure payment gateways, order tracking, and customer reviews. This digital solution not only saves time but also ensures a safe and convenient shopping experience, addressing the needs of modern consumers.</a:t>
             </a:r>
+            <a:endParaRPr sz="2400" dirty="0">
+              <a:latin typeface="Times New Roman" panose="02020603050405020304"/>
+              <a:cs typeface="Times New Roman" panose="02020603050405020304"/>
+            </a:endParaRPr>
           </a:p>
         </p:txBody>
       </p:sp>
@@ -2007,6 +2014,7 @@
               <a:rPr lang="en-US" sz="5400" b="1" u="sng" dirty="0"/>
               <a:t>INTRODUCTION</a:t>
             </a:r>
+            <a:endParaRPr lang="en-US" sz="5400" b="1" u="sng" dirty="0"/>
           </a:p>
         </p:txBody>
       </p:sp>
@@ -2018,8 +2026,8 @@
         </p:nvSpPr>
         <p:spPr>
           <a:xfrm>
-            <a:off x="1179195" y="1809750"/>
-            <a:ext cx="10422255" cy="4215130"/>
+            <a:off x="762001" y="1809750"/>
+            <a:ext cx="10839450" cy="4215130"/>
           </a:xfrm>
           <a:prstGeom prst="rect">
             <a:avLst/>
@@ -2038,12 +2046,16 @@
               </a:lnSpc>
             </a:pPr>
             <a:r>
-              <a:rPr lang="en-US" sz="2400">
+              <a:rPr lang="en-US" sz="2400" dirty="0">
                 <a:latin typeface="Times New Roman" panose="02020603050405020304" pitchFamily="18" charset="0"/>
                 <a:cs typeface="Times New Roman" panose="02020603050405020304" pitchFamily="18" charset="0"/>
               </a:rPr>
               <a:t>In today's fast-paced world, convenience is key. The Online Grocery Web Application is designed to bring grocery shopping into the digital age, offering customers an efficient and hassle-free way to purchase their daily essentials. This innovative platform provides a comprehensive selection of grocery items, from fresh produce and dairy products to household necessities and personal care items. With a user-friendly interface, secure payment options, and reliable delivery services, this application ensures that customers can easily find, purchase, and receive their groceries without ever leaving the comfort of their homes. By integrating advanced technology and seamless navigation, the Online Grocery Web Application meets the growing demand for online shopping solutions, making everyday life simpler and more convenient.</a:t>
             </a:r>
+            <a:endParaRPr lang="en-US" sz="2400" dirty="0">
+              <a:latin typeface="Times New Roman" panose="02020603050405020304" pitchFamily="18" charset="0"/>
+              <a:cs typeface="Times New Roman" panose="02020603050405020304" pitchFamily="18" charset="0"/>
+            </a:endParaRPr>
           </a:p>
         </p:txBody>
       </p:sp>
@@ -2109,6 +2121,7 @@
               <a:rPr lang="en-US" sz="5400" b="1" u="sng" spc="-10" dirty="0"/>
               <a:t>EXISTING SYSTEM</a:t>
             </a:r>
+            <a:endParaRPr lang="en-US" sz="5400" b="1" u="sng" spc="-10" dirty="0"/>
           </a:p>
         </p:txBody>
       </p:sp>
@@ -2120,8 +2133,8 @@
         </p:nvSpPr>
         <p:spPr>
           <a:xfrm>
-            <a:off x="533400" y="2133600"/>
-            <a:ext cx="11299190" cy="3535045"/>
+            <a:off x="457200" y="2133600"/>
+            <a:ext cx="11375390" cy="3535045"/>
           </a:xfrm>
           <a:prstGeom prst="rect">
             <a:avLst/>
@@ -2146,8 +2159,12 @@
                 <a:latin typeface="Times New Roman" panose="02020603050405020304" pitchFamily="18" charset="0"/>
                 <a:cs typeface="Times New Roman" panose="02020603050405020304" pitchFamily="18" charset="0"/>
               </a:rPr>
-              <a:t>The traditional online grocery web application depends only on the users requested items ,</a:t>
-            </a:r>
+              <a:t>The traditional online grocery web application depends only on the users requested items </a:t>
+            </a:r>
+            <a:endParaRPr lang="en-US" sz="2400" dirty="0">
+              <a:latin typeface="Times New Roman" panose="02020603050405020304" pitchFamily="18" charset="0"/>
+              <a:cs typeface="Times New Roman" panose="02020603050405020304" pitchFamily="18" charset="0"/>
+            </a:endParaRPr>
           </a:p>
           <a:p>
             <a:pPr indent="0" algn="just">
@@ -2164,6 +2181,10 @@
               </a:rPr>
               <a:t>and sometimes, it cannot suggests the items based on the  customers requirements.</a:t>
             </a:r>
+            <a:endParaRPr lang="en-US" sz="2400" dirty="0">
+              <a:latin typeface="Times New Roman" panose="02020603050405020304" pitchFamily="18" charset="0"/>
+              <a:cs typeface="Times New Roman" panose="02020603050405020304" pitchFamily="18" charset="0"/>
+            </a:endParaRPr>
           </a:p>
           <a:p>
             <a:pPr indent="0" algn="just">
@@ -2180,6 +2201,10 @@
               </a:rPr>
               <a:t>moreover it has limited grocery item which is available only in super markets.</a:t>
             </a:r>
+            <a:endParaRPr lang="en-US" altLang="en-IN" sz="2400" dirty="0">
+              <a:latin typeface="Times New Roman" panose="02020603050405020304" pitchFamily="18" charset="0"/>
+              <a:cs typeface="Times New Roman" panose="02020603050405020304" pitchFamily="18" charset="0"/>
+            </a:endParaRPr>
           </a:p>
           <a:p>
             <a:pPr indent="0" algn="just">
@@ -2196,6 +2221,10 @@
               </a:rPr>
               <a:t>Often, these platforms lack personalized recommendations, making the shopping experience feel generic.Lengthy and complicated checkout procedures can deter users from completing their purchases.Users are wary of how their personal and payment information is handled, impacting trust.Not all applications cater to users with disabilities, making it difficult for everyone to use the service efficiently.</a:t>
             </a:r>
+            <a:endParaRPr lang="en-US" altLang="en-IN" sz="2400" dirty="0">
+              <a:latin typeface="Times New Roman" panose="02020603050405020304" pitchFamily="18" charset="0"/>
+              <a:cs typeface="Times New Roman" panose="02020603050405020304" pitchFamily="18" charset="0"/>
+            </a:endParaRPr>
           </a:p>
         </p:txBody>
       </p:sp>
@@ -2252,6 +2281,7 @@
               <a:rPr lang="en-US" b="1" u="sng"/>
               <a:t>EXISTING SYSTEM</a:t>
             </a:r>
+            <a:endParaRPr lang="en-US" b="1" u="sng"/>
           </a:p>
         </p:txBody>
       </p:sp>
@@ -2284,6 +2314,10 @@
               </a:rPr>
               <a:t>Existing grocery web applications has the problems like:</a:t>
             </a:r>
+            <a:endParaRPr lang="en-US" sz="2400" b="1" u="sng">
+              <a:latin typeface="Times New Roman" panose="02020603050405020304" pitchFamily="18" charset="0"/>
+              <a:cs typeface="Times New Roman" panose="02020603050405020304" pitchFamily="18" charset="0"/>
+            </a:endParaRPr>
           </a:p>
           <a:p>
             <a:endParaRPr lang="en-US" sz="2000">
@@ -2311,13 +2345,6 @@
               </a:rPr>
               <a:t> Inaccurate stock levels can result in out-of-stock items or incorrect orders.</a:t>
             </a:r>
-          </a:p>
-          <a:p>
-            <a:pPr algn="just">
-              <a:lnSpc>
-                <a:spcPct val="80000"/>
-              </a:lnSpc>
-            </a:pPr>
             <a:endParaRPr lang="en-US" sz="2400">
               <a:latin typeface="Times New Roman" panose="02020603050405020304" pitchFamily="18" charset="0"/>
               <a:cs typeface="Times New Roman" panose="02020603050405020304" pitchFamily="18" charset="0"/>
@@ -2329,6 +2356,17 @@
                 <a:spcPct val="80000"/>
               </a:lnSpc>
             </a:pPr>
+            <a:endParaRPr lang="en-US" sz="2400">
+              <a:latin typeface="Times New Roman" panose="02020603050405020304" pitchFamily="18" charset="0"/>
+              <a:cs typeface="Times New Roman" panose="02020603050405020304" pitchFamily="18" charset="0"/>
+            </a:endParaRPr>
+          </a:p>
+          <a:p>
+            <a:pPr algn="just">
+              <a:lnSpc>
+                <a:spcPct val="80000"/>
+              </a:lnSpc>
+            </a:pPr>
             <a:r>
               <a:rPr lang="en-US" sz="2400" b="1">
                 <a:latin typeface="Times New Roman" panose="02020603050405020304" pitchFamily="18" charset="0"/>
@@ -2343,13 +2381,6 @@
               </a:rPr>
               <a:t>Overly complicated designs can make navigation and product searches cumbersome.</a:t>
             </a:r>
-          </a:p>
-          <a:p>
-            <a:pPr algn="just">
-              <a:lnSpc>
-                <a:spcPct val="80000"/>
-              </a:lnSpc>
-            </a:pPr>
             <a:endParaRPr lang="en-US" sz="2400">
               <a:latin typeface="Times New Roman" panose="02020603050405020304" pitchFamily="18" charset="0"/>
               <a:cs typeface="Times New Roman" panose="02020603050405020304" pitchFamily="18" charset="0"/>
@@ -2361,6 +2392,17 @@
                 <a:spcPct val="80000"/>
               </a:lnSpc>
             </a:pPr>
+            <a:endParaRPr lang="en-US" sz="2400">
+              <a:latin typeface="Times New Roman" panose="02020603050405020304" pitchFamily="18" charset="0"/>
+              <a:cs typeface="Times New Roman" panose="02020603050405020304" pitchFamily="18" charset="0"/>
+            </a:endParaRPr>
+          </a:p>
+          <a:p>
+            <a:pPr algn="just">
+              <a:lnSpc>
+                <a:spcPct val="80000"/>
+              </a:lnSpc>
+            </a:pPr>
             <a:r>
               <a:rPr lang="en-US" sz="2400" b="1">
                 <a:latin typeface="Times New Roman" panose="02020603050405020304" pitchFamily="18" charset="0"/>
@@ -2375,13 +2417,6 @@
               </a:rPr>
               <a:t> Unreliable delivery schedules frustrate customers and diminish trust.</a:t>
             </a:r>
-          </a:p>
-          <a:p>
-            <a:pPr algn="just">
-              <a:lnSpc>
-                <a:spcPct val="80000"/>
-              </a:lnSpc>
-            </a:pPr>
             <a:endParaRPr lang="en-US" sz="2400">
               <a:latin typeface="Times New Roman" panose="02020603050405020304" pitchFamily="18" charset="0"/>
               <a:cs typeface="Times New Roman" panose="02020603050405020304" pitchFamily="18" charset="0"/>
@@ -2393,6 +2428,17 @@
                 <a:spcPct val="80000"/>
               </a:lnSpc>
             </a:pPr>
+            <a:endParaRPr lang="en-US" sz="2400">
+              <a:latin typeface="Times New Roman" panose="02020603050405020304" pitchFamily="18" charset="0"/>
+              <a:cs typeface="Times New Roman" panose="02020603050405020304" pitchFamily="18" charset="0"/>
+            </a:endParaRPr>
+          </a:p>
+          <a:p>
+            <a:pPr algn="just">
+              <a:lnSpc>
+                <a:spcPct val="80000"/>
+              </a:lnSpc>
+            </a:pPr>
             <a:r>
               <a:rPr lang="en-US" sz="2400" b="1">
                 <a:latin typeface="Times New Roman" panose="02020603050405020304" pitchFamily="18" charset="0"/>
@@ -2407,13 +2453,6 @@
               </a:rPr>
               <a:t> Ensuring data privacy and secure transactions is critical, but breaches can still occur.</a:t>
             </a:r>
-          </a:p>
-          <a:p>
-            <a:pPr algn="just">
-              <a:lnSpc>
-                <a:spcPct val="80000"/>
-              </a:lnSpc>
-            </a:pPr>
             <a:endParaRPr lang="en-US" sz="2400">
               <a:latin typeface="Times New Roman" panose="02020603050405020304" pitchFamily="18" charset="0"/>
               <a:cs typeface="Times New Roman" panose="02020603050405020304" pitchFamily="18" charset="0"/>
@@ -2425,6 +2464,17 @@
                 <a:spcPct val="80000"/>
               </a:lnSpc>
             </a:pPr>
+            <a:endParaRPr lang="en-US" sz="2400">
+              <a:latin typeface="Times New Roman" panose="02020603050405020304" pitchFamily="18" charset="0"/>
+              <a:cs typeface="Times New Roman" panose="02020603050405020304" pitchFamily="18" charset="0"/>
+            </a:endParaRPr>
+          </a:p>
+          <a:p>
+            <a:pPr algn="just">
+              <a:lnSpc>
+                <a:spcPct val="80000"/>
+              </a:lnSpc>
+            </a:pPr>
             <a:r>
               <a:rPr lang="en-US" sz="2400" b="1">
                 <a:latin typeface="Times New Roman" panose="02020603050405020304" pitchFamily="18" charset="0"/>
@@ -2439,6 +2489,10 @@
               </a:rPr>
               <a:t> A lack of diverse payment methods can deter customers who prefer alternative payment systems.</a:t>
             </a:r>
+            <a:endParaRPr lang="en-US" sz="2400">
+              <a:latin typeface="Times New Roman" panose="02020603050405020304" pitchFamily="18" charset="0"/>
+              <a:cs typeface="Times New Roman" panose="02020603050405020304" pitchFamily="18" charset="0"/>
+            </a:endParaRPr>
           </a:p>
         </p:txBody>
       </p:sp>
@@ -2479,8 +2533,8 @@
         </p:nvSpPr>
         <p:spPr>
           <a:xfrm>
-            <a:off x="3806825" y="603250"/>
-            <a:ext cx="6318250" cy="751205"/>
+            <a:off x="3505200" y="603250"/>
+            <a:ext cx="6619875" cy="751205"/>
           </a:xfrm>
           <a:prstGeom prst="rect">
             <a:avLst/>
@@ -2508,6 +2562,7 @@
               <a:rPr lang="en-US" sz="4800" b="1" u="sng" spc="-5" dirty="0"/>
               <a:t>ROPOSED SYSTEM</a:t>
             </a:r>
+            <a:endParaRPr lang="en-US" sz="4800" b="1" u="sng" spc="-5" dirty="0"/>
           </a:p>
         </p:txBody>
       </p:sp>
@@ -2555,6 +2610,10 @@
               </a:rPr>
               <a:t> Suggest items based on user purchase history, dietary preferences, or current trends.</a:t>
             </a:r>
+            <a:endParaRPr lang="en-US" sz="2400" dirty="0">
+              <a:latin typeface="Times New Roman" panose="02020603050405020304"/>
+              <a:cs typeface="Times New Roman" panose="02020603050405020304"/>
+            </a:endParaRPr>
           </a:p>
           <a:p>
             <a:pPr marL="12700" marR="5080" indent="0" algn="just">
@@ -2580,6 +2639,10 @@
               </a:rPr>
               <a:t> Allow users to search for products using voice commands, making it more accessible.</a:t>
             </a:r>
+            <a:endParaRPr lang="en-US" sz="2400" dirty="0">
+              <a:latin typeface="Times New Roman" panose="02020603050405020304"/>
+              <a:cs typeface="Times New Roman" panose="02020603050405020304"/>
+            </a:endParaRPr>
           </a:p>
           <a:p>
             <a:pPr marL="12700" marR="5080" indent="0" algn="just">
@@ -2605,6 +2668,10 @@
               </a:rPr>
               <a:t> Link products to recipes, showing users what they can cook with the items they add to their cart.</a:t>
             </a:r>
+            <a:endParaRPr lang="en-US" sz="2400" dirty="0">
+              <a:latin typeface="Times New Roman" panose="02020603050405020304"/>
+              <a:cs typeface="Times New Roman" panose="02020603050405020304"/>
+            </a:endParaRPr>
           </a:p>
           <a:p>
             <a:pPr marL="12700" marR="5080" indent="0" algn="just">
@@ -2630,6 +2697,10 @@
               </a:rPr>
               <a:t> Offer subscription plans for regular deliveries of essentials like milk, bread, or pet food.</a:t>
             </a:r>
+            <a:endParaRPr lang="en-US" sz="2400" dirty="0">
+              <a:latin typeface="Times New Roman" panose="02020603050405020304"/>
+              <a:cs typeface="Times New Roman" panose="02020603050405020304"/>
+            </a:endParaRPr>
           </a:p>
           <a:p>
             <a:pPr marL="12700" marR="5080" indent="0" algn="just">
@@ -2655,6 +2726,10 @@
               </a:rPr>
               <a:t> Use AR to help users visualize how products look or fit in their homes, like the size of a fruit basket.</a:t>
             </a:r>
+            <a:endParaRPr lang="en-US" sz="2400" dirty="0">
+              <a:latin typeface="Times New Roman" panose="02020603050405020304"/>
+              <a:cs typeface="Times New Roman" panose="02020603050405020304"/>
+            </a:endParaRPr>
           </a:p>
         </p:txBody>
       </p:sp>
@@ -2766,13 +2841,6 @@
               </a:rPr>
               <a:t> Detailed nutritional information and allergen warnings for all products, helping users make informed decisions.</a:t>
             </a:r>
-          </a:p>
-          <a:p>
-            <a:pPr algn="just">
-              <a:lnSpc>
-                <a:spcPct val="80000"/>
-              </a:lnSpc>
-            </a:pPr>
             <a:endParaRPr lang="en-US" sz="2400">
               <a:latin typeface="Times New Roman" panose="02020603050405020304" pitchFamily="18" charset="0"/>
               <a:cs typeface="Times New Roman" panose="02020603050405020304" pitchFamily="18" charset="0"/>
@@ -2784,6 +2852,17 @@
                 <a:spcPct val="80000"/>
               </a:lnSpc>
             </a:pPr>
+            <a:endParaRPr lang="en-US" sz="2400">
+              <a:latin typeface="Times New Roman" panose="02020603050405020304" pitchFamily="18" charset="0"/>
+              <a:cs typeface="Times New Roman" panose="02020603050405020304" pitchFamily="18" charset="0"/>
+            </a:endParaRPr>
+          </a:p>
+          <a:p>
+            <a:pPr algn="just">
+              <a:lnSpc>
+                <a:spcPct val="80000"/>
+              </a:lnSpc>
+            </a:pPr>
             <a:r>
               <a:rPr lang="en-US" sz="2400" b="1">
                 <a:latin typeface="Times New Roman" panose="02020603050405020304" pitchFamily="18" charset="0"/>
@@ -2798,13 +2877,6 @@
               </a:rPr>
               <a:t> Speed up the checkout process with one-click purchasing for registered users.</a:t>
             </a:r>
-          </a:p>
-          <a:p>
-            <a:pPr algn="just">
-              <a:lnSpc>
-                <a:spcPct val="80000"/>
-              </a:lnSpc>
-            </a:pPr>
             <a:endParaRPr lang="en-US" sz="2400">
               <a:latin typeface="Times New Roman" panose="02020603050405020304" pitchFamily="18" charset="0"/>
               <a:cs typeface="Times New Roman" panose="02020603050405020304" pitchFamily="18" charset="0"/>
@@ -2816,6 +2888,17 @@
                 <a:spcPct val="80000"/>
               </a:lnSpc>
             </a:pPr>
+            <a:endParaRPr lang="en-US" sz="2400">
+              <a:latin typeface="Times New Roman" panose="02020603050405020304" pitchFamily="18" charset="0"/>
+              <a:cs typeface="Times New Roman" panose="02020603050405020304" pitchFamily="18" charset="0"/>
+            </a:endParaRPr>
+          </a:p>
+          <a:p>
+            <a:pPr algn="just">
+              <a:lnSpc>
+                <a:spcPct val="80000"/>
+              </a:lnSpc>
+            </a:pPr>
             <a:r>
               <a:rPr lang="en-US" sz="2400" b="1">
                 <a:latin typeface="Times New Roman" panose="02020603050405020304" pitchFamily="18" charset="0"/>
@@ -2830,13 +2913,6 @@
               </a:rPr>
               <a:t> Highlight eco-friendly or locally-sourced products to appeal to environmentally conscious consumers.</a:t>
             </a:r>
-          </a:p>
-          <a:p>
-            <a:pPr algn="just">
-              <a:lnSpc>
-                <a:spcPct val="80000"/>
-              </a:lnSpc>
-            </a:pPr>
             <a:endParaRPr lang="en-US" sz="2400">
               <a:latin typeface="Times New Roman" panose="02020603050405020304" pitchFamily="18" charset="0"/>
               <a:cs typeface="Times New Roman" panose="02020603050405020304" pitchFamily="18" charset="0"/>
@@ -2848,6 +2924,17 @@
                 <a:spcPct val="80000"/>
               </a:lnSpc>
             </a:pPr>
+            <a:endParaRPr lang="en-US" sz="2400">
+              <a:latin typeface="Times New Roman" panose="02020603050405020304" pitchFamily="18" charset="0"/>
+              <a:cs typeface="Times New Roman" panose="02020603050405020304" pitchFamily="18" charset="0"/>
+            </a:endParaRPr>
+          </a:p>
+          <a:p>
+            <a:pPr algn="just">
+              <a:lnSpc>
+                <a:spcPct val="80000"/>
+              </a:lnSpc>
+            </a:pPr>
             <a:r>
               <a:rPr lang="en-US" sz="2400" b="1">
                 <a:latin typeface="Times New Roman" panose="02020603050405020304" pitchFamily="18" charset="0"/>
@@ -2862,13 +2949,6 @@
               </a:rPr>
               <a:t> Complement your web app with a mobile app for a seamless cross-device experience.</a:t>
             </a:r>
-          </a:p>
-          <a:p>
-            <a:pPr algn="just">
-              <a:lnSpc>
-                <a:spcPct val="80000"/>
-              </a:lnSpc>
-            </a:pPr>
             <a:endParaRPr lang="en-US" sz="2400">
               <a:latin typeface="Times New Roman" panose="02020603050405020304" pitchFamily="18" charset="0"/>
               <a:cs typeface="Times New Roman" panose="02020603050405020304" pitchFamily="18" charset="0"/>
@@ -2880,6 +2960,17 @@
                 <a:spcPct val="80000"/>
               </a:lnSpc>
             </a:pPr>
+            <a:endParaRPr lang="en-US" sz="2400">
+              <a:latin typeface="Times New Roman" panose="02020603050405020304" pitchFamily="18" charset="0"/>
+              <a:cs typeface="Times New Roman" panose="02020603050405020304" pitchFamily="18" charset="0"/>
+            </a:endParaRPr>
+          </a:p>
+          <a:p>
+            <a:pPr algn="just">
+              <a:lnSpc>
+                <a:spcPct val="80000"/>
+              </a:lnSpc>
+            </a:pPr>
             <a:r>
               <a:rPr lang="en-US" sz="2400" b="1">
                 <a:latin typeface="Times New Roman" panose="02020603050405020304" pitchFamily="18" charset="0"/>
@@ -2894,6 +2985,10 @@
               </a:rPr>
               <a:t> Allow users to reserve specific delivery slots based on their convenience.</a:t>
             </a:r>
+            <a:endParaRPr lang="en-US" sz="2400">
+              <a:latin typeface="Times New Roman" panose="02020603050405020304" pitchFamily="18" charset="0"/>
+              <a:cs typeface="Times New Roman" panose="02020603050405020304" pitchFamily="18" charset="0"/>
+            </a:endParaRPr>
           </a:p>
         </p:txBody>
       </p:sp>
@@ -2959,6 +3054,7 @@
               <a:rPr lang="en-US" b="1" u="sng"/>
               <a:t>ENTITY RELATIONSHIP DIAGRAM</a:t>
             </a:r>
+            <a:endParaRPr lang="en-US" b="1" u="sng"/>
           </a:p>
         </p:txBody>
       </p:sp>
@@ -2971,7 +3067,7 @@
           <p:nvPr/>
         </p:nvPicPr>
         <p:blipFill>
-          <a:blip r:embed="rId2">
+          <a:blip r:embed="rId1">
             <a:extLst>
               <a:ext uri="{28A0092B-C50C-407E-A947-70E740481C1C}">
                 <a14:useLocalDpi xmlns:a14="http://schemas.microsoft.com/office/drawing/2010/main" val="0"/>
@@ -3047,6 +3143,7 @@
               <a:rPr lang="en-US" b="1" u="sng"/>
               <a:t>SYSTEM ARCHITECTURE</a:t>
             </a:r>
+            <a:endParaRPr lang="en-US" b="1" u="sng"/>
           </a:p>
         </p:txBody>
       </p:sp>
@@ -3078,7 +3175,7 @@
           <p:nvPr/>
         </p:nvPicPr>
         <p:blipFill>
-          <a:blip r:embed="rId2">
+          <a:blip r:embed="rId1">
             <a:extLst>
               <a:ext uri="{28A0092B-C50C-407E-A947-70E740481C1C}">
                 <a14:useLocalDpi xmlns:a14="http://schemas.microsoft.com/office/drawing/2010/main" val="0"/>
@@ -3386,8 +3483,6 @@
       </a:bgFillStyleLst>
     </a:fmtScheme>
   </a:themeElements>
-  <a:objectDefaults/>
-  <a:extraClrSchemeLst/>
   <a:extLst>
     <a:ext uri="{05A4C25C-085E-4340-85A3-A5531E510DB2}">
       <thm15:themeFamily xmlns:thm15="http://schemas.microsoft.com/office/thememl/2012/main" name="Office Theme" id="{62F939B6-93AF-4DB8-9C6B-D6C7DFDC589F}" vid="{4A3C46E8-61CC-4603-A589-7422A47A8E4A}"/>
